--- a/PL and RgR.pptx
+++ b/PL and RgR.pptx
@@ -5,12 +5,17 @@
     <p:sldMasterId id="2147483686" r:id="rId1"/>
   </p:sldMasterIdLst>
   <p:notesMasterIdLst>
-    <p:notesMasterId r:id="rId5"/>
+    <p:notesMasterId r:id="rId10"/>
   </p:notesMasterIdLst>
   <p:sldIdLst>
     <p:sldId id="256" r:id="rId2"/>
     <p:sldId id="257" r:id="rId3"/>
     <p:sldId id="258" r:id="rId4"/>
+    <p:sldId id="259" r:id="rId5"/>
+    <p:sldId id="260" r:id="rId6"/>
+    <p:sldId id="261" r:id="rId7"/>
+    <p:sldId id="262" r:id="rId8"/>
+    <p:sldId id="263" r:id="rId9"/>
   </p:sldIdLst>
   <p:sldSz cx="12192000" cy="6858000"/>
   <p:notesSz cx="6858000" cy="9144000"/>
@@ -109,6 +114,14 @@
       </a:defRPr>
     </a:lvl9pPr>
   </p:defaultTextStyle>
+  <p:extLst>
+    <p:ext uri="{EFAFB233-063F-42B5-8137-9DF3F51BA10A}">
+      <p15:sldGuideLst xmlns:p15="http://schemas.microsoft.com/office/powerpoint/2012/main"/>
+    </p:ext>
+    <p:ext uri="{2D200454-40CA-4A62-9FC3-DE9A4176ACB9}">
+      <p15:notesGuideLst xmlns:p15="http://schemas.microsoft.com/office/powerpoint/2012/main"/>
+    </p:ext>
+  </p:extLst>
 </p:presentation>
 </file>
 
@@ -7921,6 +7934,9 @@
               <a:buFont typeface="+mj-lt"/>
               <a:buAutoNum type="arabicPeriod"/>
               <a:defRPr>
+                <a:solidFill>
+                  <a:schemeClr val="tx1"/>
+                </a:solidFill>
                 <a:latin typeface="Myriad Pro" panose="020B0503030403020204" pitchFamily="34" charset="0"/>
               </a:defRPr>
             </a:lvl1pPr>
@@ -7929,6 +7945,9 @@
               <a:buFont typeface="+mj-lt"/>
               <a:buAutoNum type="arabicPeriod"/>
               <a:defRPr>
+                <a:solidFill>
+                  <a:schemeClr val="tx1"/>
+                </a:solidFill>
                 <a:latin typeface="Myriad Pro" panose="020B0503030403020204" pitchFamily="34" charset="0"/>
               </a:defRPr>
             </a:lvl2pPr>
@@ -7937,6 +7956,9 @@
               <a:buFont typeface="+mj-lt"/>
               <a:buAutoNum type="arabicPeriod"/>
               <a:defRPr>
+                <a:solidFill>
+                  <a:schemeClr val="tx1"/>
+                </a:solidFill>
                 <a:latin typeface="Myriad Pro" panose="020B0503030403020204" pitchFamily="34" charset="0"/>
               </a:defRPr>
             </a:lvl3pPr>
@@ -7945,6 +7967,9 @@
               <a:buFont typeface="+mj-lt"/>
               <a:buAutoNum type="arabicPeriod"/>
               <a:defRPr>
+                <a:solidFill>
+                  <a:schemeClr val="tx1"/>
+                </a:solidFill>
                 <a:latin typeface="Myriad Pro" panose="020B0503030403020204" pitchFamily="34" charset="0"/>
               </a:defRPr>
             </a:lvl4pPr>
@@ -7953,6 +7978,9 @@
               <a:buFont typeface="+mj-lt"/>
               <a:buAutoNum type="arabicPeriod"/>
               <a:defRPr>
+                <a:solidFill>
+                  <a:schemeClr val="tx1"/>
+                </a:solidFill>
                 <a:latin typeface="Myriad Pro" panose="020B0503030403020204" pitchFamily="34" charset="0"/>
               </a:defRPr>
             </a:lvl5pPr>
@@ -14158,15 +14186,171 @@
             <p:ph idx="1"/>
           </p:nvPr>
         </p:nvSpPr>
-        <p:spPr/>
+        <p:spPr>
+          <a:xfrm>
+            <a:off x="1154954" y="2603500"/>
+            <a:ext cx="8825659" cy="3975099"/>
+          </a:xfrm>
+        </p:spPr>
         <p:txBody>
-          <a:bodyPr/>
+          <a:bodyPr>
+            <a:normAutofit lnSpcReduction="10000"/>
+          </a:bodyPr>
           <a:lstStyle/>
           <a:p>
+            <a:pPr marL="285750" indent="-285750">
+              <a:buFont typeface="Arial" panose="020B0604020202020204" pitchFamily="34" charset="0"/>
+              <a:buChar char="•"/>
+            </a:pPr>
+            <a:r>
+              <a:rPr lang="de-DE" dirty="0" smtClean="0">
+                <a:solidFill>
+                  <a:schemeClr val="tx1"/>
+                </a:solidFill>
+              </a:rPr>
+              <a:t>Popularität ist gekennzeichnet durch extreme Ungleichgewichte</a:t>
+            </a:r>
+          </a:p>
+          <a:p>
+            <a:pPr marL="285750" indent="-285750">
+              <a:buFont typeface="Arial" panose="020B0604020202020204" pitchFamily="34" charset="0"/>
+              <a:buChar char="•"/>
+            </a:pPr>
+            <a:r>
+              <a:rPr lang="de-DE" dirty="0" smtClean="0">
+                <a:solidFill>
+                  <a:schemeClr val="tx1"/>
+                </a:solidFill>
+              </a:rPr>
+              <a:t>Wenige Personen sind über Ihren Freundeskreis hinaus bekannt</a:t>
+            </a:r>
+          </a:p>
+          <a:p>
+            <a:pPr marL="285750" indent="-285750">
+              <a:buFont typeface="Arial" panose="020B0604020202020204" pitchFamily="34" charset="0"/>
+              <a:buChar char="•"/>
+            </a:pPr>
+            <a:endParaRPr lang="de-DE" dirty="0" smtClean="0">
+              <a:solidFill>
+                <a:schemeClr val="tx1"/>
+              </a:solidFill>
+            </a:endParaRPr>
+          </a:p>
+          <a:p>
+            <a:pPr marL="285750" indent="-285750">
+              <a:buFont typeface="Arial" panose="020B0604020202020204" pitchFamily="34" charset="0"/>
+              <a:buChar char="•"/>
+            </a:pPr>
+            <a:r>
+              <a:rPr lang="de-DE" dirty="0" smtClean="0">
+                <a:solidFill>
+                  <a:schemeClr val="tx1"/>
+                </a:solidFill>
+              </a:rPr>
+              <a:t>Dinge wie:</a:t>
+            </a:r>
+            <a:endParaRPr lang="de-DE" dirty="0" smtClean="0">
+              <a:solidFill>
+                <a:schemeClr val="tx1"/>
+              </a:solidFill>
+            </a:endParaRPr>
+          </a:p>
+          <a:p>
+            <a:pPr marL="1943100" lvl="4">
+              <a:buFont typeface="Wingdings" panose="05000000000000000000" pitchFamily="2" charset="2"/>
+              <a:buChar char="§"/>
+            </a:pPr>
+            <a:r>
+              <a:rPr lang="de-DE" sz="1800" dirty="0" smtClean="0">
+                <a:solidFill>
+                  <a:schemeClr val="tx1"/>
+                </a:solidFill>
+              </a:rPr>
+              <a:t>Bücher</a:t>
+            </a:r>
+          </a:p>
+          <a:p>
+            <a:pPr marL="1943100" lvl="4">
+              <a:buFont typeface="Wingdings" panose="05000000000000000000" pitchFamily="2" charset="2"/>
+              <a:buChar char="§"/>
+            </a:pPr>
+            <a:r>
+              <a:rPr lang="de-DE" sz="1800" dirty="0" smtClean="0">
+                <a:solidFill>
+                  <a:schemeClr val="tx1"/>
+                </a:solidFill>
+              </a:rPr>
+              <a:t>Filme</a:t>
+            </a:r>
+          </a:p>
+          <a:p>
+            <a:pPr marL="1943100" lvl="4">
+              <a:buFont typeface="Wingdings" panose="05000000000000000000" pitchFamily="2" charset="2"/>
+              <a:buChar char="§"/>
+            </a:pPr>
+            <a:r>
+              <a:rPr lang="de-DE" sz="1800" dirty="0" smtClean="0">
+                <a:solidFill>
+                  <a:schemeClr val="tx1"/>
+                </a:solidFill>
+              </a:rPr>
+              <a:t>Musik</a:t>
+            </a:r>
+          </a:p>
+          <a:p>
+            <a:pPr marL="1943100" lvl="4">
+              <a:buFont typeface="Wingdings" panose="05000000000000000000" pitchFamily="2" charset="2"/>
+              <a:buChar char="§"/>
+            </a:pPr>
+            <a:r>
+              <a:rPr lang="de-DE" sz="1800" dirty="0" smtClean="0">
+                <a:solidFill>
+                  <a:schemeClr val="tx1"/>
+                </a:solidFill>
+              </a:rPr>
+              <a:t>und Webseiten</a:t>
+            </a:r>
+          </a:p>
+          <a:p>
+            <a:pPr marL="1714500" lvl="4" indent="0">
+              <a:buNone/>
+            </a:pPr>
+            <a:r>
+              <a:rPr lang="de-DE" sz="1800" dirty="0" smtClean="0">
+                <a:solidFill>
+                  <a:schemeClr val="tx1"/>
+                </a:solidFill>
+              </a:rPr>
+              <a:t>erreichen ebenfalls ungleiche Bekanntheit</a:t>
+            </a:r>
+          </a:p>
+          <a:p>
             <a:pPr marL="0" indent="0">
               <a:buNone/>
             </a:pPr>
-            <a:endParaRPr lang="de-DE"/>
+            <a:r>
+              <a:rPr lang="de-DE" sz="2400" dirty="0">
+                <a:solidFill>
+                  <a:schemeClr val="tx1"/>
+                </a:solidFill>
+              </a:rPr>
+              <a:t>	</a:t>
+            </a:r>
+            <a:endParaRPr lang="de-DE" sz="2400" dirty="0" smtClean="0">
+              <a:solidFill>
+                <a:schemeClr val="tx1"/>
+              </a:solidFill>
+            </a:endParaRPr>
+          </a:p>
+          <a:p>
+            <a:pPr marL="1714500" lvl="4" indent="0">
+              <a:buNone/>
+            </a:pPr>
+            <a:endParaRPr lang="de-DE" dirty="0">
+              <a:solidFill>
+                <a:schemeClr val="tx1"/>
+              </a:solidFill>
+            </a:endParaRPr>
           </a:p>
         </p:txBody>
       </p:sp>
@@ -14174,6 +14358,1359 @@
     <p:extLst>
       <p:ext uri="{BB962C8B-B14F-4D97-AF65-F5344CB8AC3E}">
         <p14:creationId xmlns:p14="http://schemas.microsoft.com/office/powerpoint/2010/main" val="2051019505"/>
+      </p:ext>
+    </p:extLst>
+  </p:cSld>
+  <p:clrMapOvr>
+    <a:masterClrMapping/>
+  </p:clrMapOvr>
+  <p:timing>
+    <p:tnLst>
+      <p:par>
+        <p:cTn id="1" dur="indefinite" restart="never" nodeType="tmRoot"/>
+      </p:par>
+    </p:tnLst>
+  </p:timing>
+</p:sld>
+</file>
+
+<file path=ppt/slides/slide4.xml><?xml version="1.0" encoding="utf-8"?>
+<p:sld xmlns:a="http://schemas.openxmlformats.org/drawingml/2006/main" xmlns:r="http://schemas.openxmlformats.org/officeDocument/2006/relationships" xmlns:p="http://schemas.openxmlformats.org/presentationml/2006/main">
+  <p:cSld>
+    <p:spTree>
+      <p:nvGrpSpPr>
+        <p:cNvPr id="1" name=""/>
+        <p:cNvGrpSpPr/>
+        <p:nvPr/>
+      </p:nvGrpSpPr>
+      <p:grpSpPr>
+        <a:xfrm>
+          <a:off x="0" y="0"/>
+          <a:ext cx="0" cy="0"/>
+          <a:chOff x="0" y="0"/>
+          <a:chExt cx="0" cy="0"/>
+        </a:xfrm>
+      </p:grpSpPr>
+      <p:sp>
+        <p:nvSpPr>
+          <p:cNvPr id="2" name="Titel 1"/>
+          <p:cNvSpPr>
+            <a:spLocks noGrp="1"/>
+          </p:cNvSpPr>
+          <p:nvPr>
+            <p:ph type="title"/>
+          </p:nvPr>
+        </p:nvSpPr>
+        <p:spPr/>
+        <p:txBody>
+          <a:bodyPr/>
+          <a:lstStyle/>
+          <a:p>
+            <a:r>
+              <a:rPr lang="de-DE" dirty="0"/>
+              <a:t>Popularität als Netzwerk Phänomen</a:t>
+            </a:r>
+          </a:p>
+        </p:txBody>
+      </p:sp>
+      <p:sp>
+        <p:nvSpPr>
+          <p:cNvPr id="3" name="Inhaltsplatzhalter 2"/>
+          <p:cNvSpPr>
+            <a:spLocks noGrp="1"/>
+          </p:cNvSpPr>
+          <p:nvPr>
+            <p:ph idx="1"/>
+          </p:nvPr>
+        </p:nvSpPr>
+        <p:spPr/>
+        <p:txBody>
+          <a:bodyPr/>
+          <a:lstStyle/>
+          <a:p>
+            <a:pPr marL="285750" indent="-285750">
+              <a:buFont typeface="Arial" panose="020B0604020202020204" pitchFamily="34" charset="0"/>
+              <a:buChar char="•"/>
+            </a:pPr>
+            <a:r>
+              <a:rPr lang="de-DE" dirty="0" smtClean="0"/>
+              <a:t>Warum entstehen diese Ungleichgewichte?</a:t>
+            </a:r>
+          </a:p>
+          <a:p>
+            <a:pPr marL="285750" indent="-285750">
+              <a:buFont typeface="Arial" panose="020B0604020202020204" pitchFamily="34" charset="0"/>
+              <a:buChar char="•"/>
+            </a:pPr>
+            <a:r>
+              <a:rPr lang="de-DE" dirty="0" smtClean="0"/>
+              <a:t>Wie beeinflussen sie ein Netzwerk? </a:t>
+            </a:r>
+          </a:p>
+          <a:p>
+            <a:pPr marL="285750" indent="-285750">
+              <a:buFont typeface="Arial" panose="020B0604020202020204" pitchFamily="34" charset="0"/>
+              <a:buChar char="•"/>
+            </a:pPr>
+            <a:r>
+              <a:rPr lang="de-DE" dirty="0" smtClean="0"/>
+              <a:t>Wie können sie am besten gemessen werden?</a:t>
+            </a:r>
+          </a:p>
+          <a:p>
+            <a:pPr marL="285750" indent="-285750">
+              <a:buFont typeface="Arial" panose="020B0604020202020204" pitchFamily="34" charset="0"/>
+              <a:buChar char="•"/>
+            </a:pPr>
+            <a:endParaRPr lang="de-DE" dirty="0" smtClean="0"/>
+          </a:p>
+          <a:p>
+            <a:pPr marL="0" indent="0">
+              <a:buNone/>
+            </a:pPr>
+            <a:endParaRPr lang="de-DE" dirty="0"/>
+          </a:p>
+        </p:txBody>
+      </p:sp>
+    </p:spTree>
+    <p:extLst>
+      <p:ext uri="{BB962C8B-B14F-4D97-AF65-F5344CB8AC3E}">
+        <p14:creationId xmlns:p14="http://schemas.microsoft.com/office/powerpoint/2010/main" val="798734786"/>
+      </p:ext>
+    </p:extLst>
+  </p:cSld>
+  <p:clrMapOvr>
+    <a:masterClrMapping/>
+  </p:clrMapOvr>
+  <p:timing>
+    <p:tnLst>
+      <p:par>
+        <p:cTn id="1" dur="indefinite" restart="never" nodeType="tmRoot"/>
+      </p:par>
+    </p:tnLst>
+  </p:timing>
+</p:sld>
+</file>
+
+<file path=ppt/slides/slide5.xml><?xml version="1.0" encoding="utf-8"?>
+<p:sld xmlns:a="http://schemas.openxmlformats.org/drawingml/2006/main" xmlns:r="http://schemas.openxmlformats.org/officeDocument/2006/relationships" xmlns:p="http://schemas.openxmlformats.org/presentationml/2006/main">
+  <p:cSld>
+    <p:spTree>
+      <p:nvGrpSpPr>
+        <p:cNvPr id="1" name=""/>
+        <p:cNvGrpSpPr/>
+        <p:nvPr/>
+      </p:nvGrpSpPr>
+      <p:grpSpPr>
+        <a:xfrm>
+          <a:off x="0" y="0"/>
+          <a:ext cx="0" cy="0"/>
+          <a:chOff x="0" y="0"/>
+          <a:chExt cx="0" cy="0"/>
+        </a:xfrm>
+      </p:grpSpPr>
+      <p:sp>
+        <p:nvSpPr>
+          <p:cNvPr id="2" name="Titel 1"/>
+          <p:cNvSpPr>
+            <a:spLocks noGrp="1"/>
+          </p:cNvSpPr>
+          <p:nvPr>
+            <p:ph type="title"/>
+          </p:nvPr>
+        </p:nvSpPr>
+        <p:spPr/>
+        <p:txBody>
+          <a:bodyPr/>
+          <a:lstStyle/>
+          <a:p>
+            <a:r>
+              <a:rPr lang="de-DE" dirty="0"/>
+              <a:t>Popularität als Netzwerk Phänomen</a:t>
+            </a:r>
+          </a:p>
+        </p:txBody>
+      </p:sp>
+      <p:sp>
+        <p:nvSpPr>
+          <p:cNvPr id="3" name="Inhaltsplatzhalter 2"/>
+          <p:cNvSpPr>
+            <a:spLocks noGrp="1"/>
+          </p:cNvSpPr>
+          <p:nvPr>
+            <p:ph idx="1"/>
+          </p:nvPr>
+        </p:nvSpPr>
+        <p:spPr>
+          <a:xfrm>
+            <a:off x="1154954" y="2603500"/>
+            <a:ext cx="8825659" cy="499534"/>
+          </a:xfrm>
+        </p:spPr>
+        <p:txBody>
+          <a:bodyPr/>
+          <a:lstStyle/>
+          <a:p>
+            <a:pPr marL="0" indent="0">
+              <a:buNone/>
+            </a:pPr>
+            <a:r>
+              <a:rPr lang="de-DE" dirty="0" smtClean="0"/>
+              <a:t>Zum überprüfen von Gesetzmäßigkeiten wird das Web als Domäne herangezogen.</a:t>
+            </a:r>
+            <a:endParaRPr lang="de-DE" dirty="0"/>
+          </a:p>
+        </p:txBody>
+      </p:sp>
+      <p:sp>
+        <p:nvSpPr>
+          <p:cNvPr id="4" name="Inhaltsplatzhalter 2"/>
+          <p:cNvSpPr txBox="1">
+            <a:spLocks/>
+          </p:cNvSpPr>
+          <p:nvPr/>
+        </p:nvSpPr>
+        <p:spPr>
+          <a:xfrm>
+            <a:off x="1154954" y="3103034"/>
+            <a:ext cx="5906246" cy="2281766"/>
+          </a:xfrm>
+          <a:prstGeom prst="rect">
+            <a:avLst/>
+          </a:prstGeom>
+        </p:spPr>
+        <p:txBody>
+          <a:bodyPr vert="horz" lIns="91440" tIns="45720" rIns="91440" bIns="45720" rtlCol="0">
+            <a:normAutofit/>
+          </a:bodyPr>
+          <a:lstStyle>
+            <a:lvl1pPr marL="342900" indent="-342900" algn="l" defTabSz="457200" rtl="0" eaLnBrk="1" latinLnBrk="0" hangingPunct="1">
+              <a:spcBef>
+                <a:spcPts val="1000"/>
+              </a:spcBef>
+              <a:spcAft>
+                <a:spcPts val="0"/>
+              </a:spcAft>
+              <a:buClr>
+                <a:schemeClr val="accent1"/>
+              </a:buClr>
+              <a:buSzPct val="100000"/>
+              <a:buFont typeface="+mj-lt"/>
+              <a:buAutoNum type="arabicPeriod"/>
+              <a:defRPr sz="1800" b="0" i="0" kern="1200">
+                <a:solidFill>
+                  <a:schemeClr val="tx1"/>
+                </a:solidFill>
+                <a:latin typeface="Myriad Pro" panose="020B0503030403020204" pitchFamily="34" charset="0"/>
+                <a:ea typeface="+mn-ea"/>
+                <a:cs typeface="+mn-cs"/>
+              </a:defRPr>
+            </a:lvl1pPr>
+            <a:lvl2pPr marL="800100" indent="-342900" algn="l" defTabSz="457200" rtl="0" eaLnBrk="1" latinLnBrk="0" hangingPunct="1">
+              <a:spcBef>
+                <a:spcPts val="1000"/>
+              </a:spcBef>
+              <a:spcAft>
+                <a:spcPts val="0"/>
+              </a:spcAft>
+              <a:buClr>
+                <a:schemeClr val="accent1"/>
+              </a:buClr>
+              <a:buSzPct val="100000"/>
+              <a:buFont typeface="+mj-lt"/>
+              <a:buAutoNum type="arabicPeriod"/>
+              <a:defRPr sz="1600" b="0" i="0" kern="1200">
+                <a:solidFill>
+                  <a:schemeClr val="tx1"/>
+                </a:solidFill>
+                <a:latin typeface="Myriad Pro" panose="020B0503030403020204" pitchFamily="34" charset="0"/>
+                <a:ea typeface="+mn-ea"/>
+                <a:cs typeface="+mn-cs"/>
+              </a:defRPr>
+            </a:lvl2pPr>
+            <a:lvl3pPr marL="1257300" indent="-342900" algn="l" defTabSz="457200" rtl="0" eaLnBrk="1" latinLnBrk="0" hangingPunct="1">
+              <a:spcBef>
+                <a:spcPts val="1000"/>
+              </a:spcBef>
+              <a:spcAft>
+                <a:spcPts val="0"/>
+              </a:spcAft>
+              <a:buClr>
+                <a:schemeClr val="accent1"/>
+              </a:buClr>
+              <a:buSzPct val="100000"/>
+              <a:buFont typeface="+mj-lt"/>
+              <a:buAutoNum type="arabicPeriod"/>
+              <a:defRPr sz="1400" b="0" i="0" kern="1200">
+                <a:solidFill>
+                  <a:schemeClr val="tx1"/>
+                </a:solidFill>
+                <a:latin typeface="Myriad Pro" panose="020B0503030403020204" pitchFamily="34" charset="0"/>
+                <a:ea typeface="+mn-ea"/>
+                <a:cs typeface="+mn-cs"/>
+              </a:defRPr>
+            </a:lvl3pPr>
+            <a:lvl4pPr marL="1600200" indent="-228600" algn="l" defTabSz="457200" rtl="0" eaLnBrk="1" latinLnBrk="0" hangingPunct="1">
+              <a:spcBef>
+                <a:spcPts val="1000"/>
+              </a:spcBef>
+              <a:spcAft>
+                <a:spcPts val="0"/>
+              </a:spcAft>
+              <a:buClr>
+                <a:schemeClr val="accent1"/>
+              </a:buClr>
+              <a:buSzPct val="100000"/>
+              <a:buFont typeface="+mj-lt"/>
+              <a:buAutoNum type="arabicPeriod"/>
+              <a:defRPr sz="1200" b="0" i="0" kern="1200">
+                <a:solidFill>
+                  <a:schemeClr val="tx1"/>
+                </a:solidFill>
+                <a:latin typeface="Myriad Pro" panose="020B0503030403020204" pitchFamily="34" charset="0"/>
+                <a:ea typeface="+mn-ea"/>
+                <a:cs typeface="+mn-cs"/>
+              </a:defRPr>
+            </a:lvl4pPr>
+            <a:lvl5pPr marL="2057400" indent="-228600" algn="l" defTabSz="457200" rtl="0" eaLnBrk="1" latinLnBrk="0" hangingPunct="1">
+              <a:spcBef>
+                <a:spcPts val="1000"/>
+              </a:spcBef>
+              <a:spcAft>
+                <a:spcPts val="0"/>
+              </a:spcAft>
+              <a:buClr>
+                <a:schemeClr val="accent1"/>
+              </a:buClr>
+              <a:buSzPct val="100000"/>
+              <a:buFont typeface="+mj-lt"/>
+              <a:buAutoNum type="arabicPeriod"/>
+              <a:defRPr sz="1200" b="0" i="0" kern="1200">
+                <a:solidFill>
+                  <a:schemeClr val="tx1"/>
+                </a:solidFill>
+                <a:latin typeface="Myriad Pro" panose="020B0503030403020204" pitchFamily="34" charset="0"/>
+                <a:ea typeface="+mn-ea"/>
+                <a:cs typeface="+mn-cs"/>
+              </a:defRPr>
+            </a:lvl5pPr>
+            <a:lvl6pPr marL="2514600" indent="-228600" algn="l" defTabSz="457200" rtl="0" eaLnBrk="1" latinLnBrk="0" hangingPunct="1">
+              <a:spcBef>
+                <a:spcPts val="1000"/>
+              </a:spcBef>
+              <a:spcAft>
+                <a:spcPts val="0"/>
+              </a:spcAft>
+              <a:buClr>
+                <a:schemeClr val="accent1"/>
+              </a:buClr>
+              <a:buSzPct val="80000"/>
+              <a:buFont typeface="Wingdings 3" charset="2"/>
+              <a:buChar char=""/>
+              <a:defRPr sz="1200" b="0" i="0" kern="1200">
+                <a:solidFill>
+                  <a:schemeClr val="tx1">
+                    <a:lumMod val="75000"/>
+                    <a:lumOff val="25000"/>
+                  </a:schemeClr>
+                </a:solidFill>
+                <a:latin typeface="+mn-lt"/>
+                <a:ea typeface="+mn-ea"/>
+                <a:cs typeface="+mn-cs"/>
+              </a:defRPr>
+            </a:lvl6pPr>
+            <a:lvl7pPr marL="2971800" indent="-228600" algn="l" defTabSz="457200" rtl="0" eaLnBrk="1" latinLnBrk="0" hangingPunct="1">
+              <a:spcBef>
+                <a:spcPts val="1000"/>
+              </a:spcBef>
+              <a:spcAft>
+                <a:spcPts val="0"/>
+              </a:spcAft>
+              <a:buClr>
+                <a:schemeClr val="accent1"/>
+              </a:buClr>
+              <a:buSzPct val="80000"/>
+              <a:buFont typeface="Wingdings 3" charset="2"/>
+              <a:buChar char=""/>
+              <a:defRPr sz="1200" b="0" i="0" kern="1200">
+                <a:solidFill>
+                  <a:schemeClr val="tx1">
+                    <a:lumMod val="75000"/>
+                    <a:lumOff val="25000"/>
+                  </a:schemeClr>
+                </a:solidFill>
+                <a:latin typeface="+mn-lt"/>
+                <a:ea typeface="+mn-ea"/>
+                <a:cs typeface="+mn-cs"/>
+              </a:defRPr>
+            </a:lvl7pPr>
+            <a:lvl8pPr marL="3429000" indent="-228600" algn="l" defTabSz="457200" rtl="0" eaLnBrk="1" latinLnBrk="0" hangingPunct="1">
+              <a:spcBef>
+                <a:spcPts val="1000"/>
+              </a:spcBef>
+              <a:spcAft>
+                <a:spcPts val="0"/>
+              </a:spcAft>
+              <a:buClr>
+                <a:schemeClr val="accent1"/>
+              </a:buClr>
+              <a:buSzPct val="80000"/>
+              <a:buFont typeface="Wingdings 3" charset="2"/>
+              <a:buChar char=""/>
+              <a:defRPr sz="1200" b="0" i="0" kern="1200">
+                <a:solidFill>
+                  <a:schemeClr val="tx1">
+                    <a:lumMod val="75000"/>
+                    <a:lumOff val="25000"/>
+                  </a:schemeClr>
+                </a:solidFill>
+                <a:latin typeface="+mn-lt"/>
+                <a:ea typeface="+mn-ea"/>
+                <a:cs typeface="+mn-cs"/>
+              </a:defRPr>
+            </a:lvl8pPr>
+            <a:lvl9pPr marL="3886200" indent="-228600" algn="l" defTabSz="457200" rtl="0" eaLnBrk="1" latinLnBrk="0" hangingPunct="1">
+              <a:spcBef>
+                <a:spcPts val="1000"/>
+              </a:spcBef>
+              <a:spcAft>
+                <a:spcPts val="0"/>
+              </a:spcAft>
+              <a:buClr>
+                <a:schemeClr val="accent1"/>
+              </a:buClr>
+              <a:buSzPct val="80000"/>
+              <a:buFont typeface="Wingdings 3" charset="2"/>
+              <a:buChar char=""/>
+              <a:defRPr sz="1200" b="0" i="0" kern="1200">
+                <a:solidFill>
+                  <a:schemeClr val="tx1">
+                    <a:lumMod val="75000"/>
+                    <a:lumOff val="25000"/>
+                  </a:schemeClr>
+                </a:solidFill>
+                <a:latin typeface="+mn-lt"/>
+                <a:ea typeface="+mn-ea"/>
+                <a:cs typeface="+mn-cs"/>
+              </a:defRPr>
+            </a:lvl9pPr>
+          </a:lstStyle>
+          <a:p>
+            <a:pPr marL="285750" indent="-285750">
+              <a:buFont typeface="Arial" panose="020B0604020202020204" pitchFamily="34" charset="0"/>
+              <a:buChar char="•"/>
+            </a:pPr>
+            <a:r>
+              <a:rPr lang="de-DE" dirty="0" smtClean="0"/>
+              <a:t>Darstellung des Webs als gerichteter Graph</a:t>
+            </a:r>
+          </a:p>
+          <a:p>
+            <a:pPr marL="285750" indent="-285750">
+              <a:buFont typeface="Arial" panose="020B0604020202020204" pitchFamily="34" charset="0"/>
+              <a:buChar char="•"/>
+            </a:pPr>
+            <a:r>
+              <a:rPr lang="de-DE" dirty="0" smtClean="0"/>
+              <a:t>Kanten des Graphen sind Hyperlinks</a:t>
+            </a:r>
+          </a:p>
+          <a:p>
+            <a:pPr marL="285750" indent="-285750">
+              <a:buFont typeface="Arial" panose="020B0604020202020204" pitchFamily="34" charset="0"/>
+              <a:buChar char="•"/>
+            </a:pPr>
+            <a:r>
+              <a:rPr lang="de-DE" dirty="0" smtClean="0"/>
+              <a:t>Anzahl der Inlinks entspricht der Popularität einer Page</a:t>
+            </a:r>
+          </a:p>
+          <a:p>
+            <a:pPr marL="285750" indent="-285750">
+              <a:buFont typeface="Arial" panose="020B0604020202020204" pitchFamily="34" charset="0"/>
+              <a:buChar char="•"/>
+            </a:pPr>
+            <a:r>
+              <a:rPr lang="de-DE" dirty="0" smtClean="0"/>
+              <a:t>1 Outlink pro Page</a:t>
+            </a:r>
+          </a:p>
+          <a:p>
+            <a:pPr marL="0" indent="0">
+              <a:buFont typeface="+mj-lt"/>
+              <a:buNone/>
+            </a:pPr>
+            <a:endParaRPr lang="de-DE" dirty="0" smtClean="0"/>
+          </a:p>
+          <a:p>
+            <a:pPr marL="0" indent="0">
+              <a:buFont typeface="+mj-lt"/>
+              <a:buNone/>
+            </a:pPr>
+            <a:endParaRPr lang="de-DE" dirty="0"/>
+          </a:p>
+        </p:txBody>
+      </p:sp>
+      <p:sp>
+        <p:nvSpPr>
+          <p:cNvPr id="5" name="Ellipse 4"/>
+          <p:cNvSpPr/>
+          <p:nvPr/>
+        </p:nvSpPr>
+        <p:spPr>
+          <a:xfrm>
+            <a:off x="8860907" y="5073650"/>
+            <a:ext cx="829733" cy="829733"/>
+          </a:xfrm>
+          <a:prstGeom prst="ellipse">
+            <a:avLst/>
+          </a:prstGeom>
+          <a:noFill/>
+          <a:ln w="38100" cmpd="sng">
+            <a:solidFill>
+              <a:schemeClr val="accent1">
+                <a:shade val="50000"/>
+              </a:schemeClr>
+            </a:solidFill>
+            <a:round/>
+          </a:ln>
+          <a:effectLst>
+            <a:outerShdw blurRad="50800" dist="38100" dir="2700000" algn="tl" rotWithShape="0">
+              <a:prstClr val="black">
+                <a:alpha val="40000"/>
+              </a:prstClr>
+            </a:outerShdw>
+          </a:effectLst>
+        </p:spPr>
+        <p:style>
+          <a:lnRef idx="2">
+            <a:schemeClr val="accent1">
+              <a:shade val="50000"/>
+            </a:schemeClr>
+          </a:lnRef>
+          <a:fillRef idx="1">
+            <a:schemeClr val="accent1"/>
+          </a:fillRef>
+          <a:effectRef idx="0">
+            <a:schemeClr val="accent1"/>
+          </a:effectRef>
+          <a:fontRef idx="minor">
+            <a:schemeClr val="lt1"/>
+          </a:fontRef>
+        </p:style>
+        <p:txBody>
+          <a:bodyPr rtlCol="0" anchor="ctr"/>
+          <a:lstStyle/>
+          <a:p>
+            <a:pPr algn="ctr"/>
+            <a:r>
+              <a:rPr lang="de-DE" sz="2000" b="1" dirty="0" smtClean="0">
+                <a:solidFill>
+                  <a:schemeClr val="tx1"/>
+                </a:solidFill>
+                <a:latin typeface="Calibri" panose="020F0502020204030204" pitchFamily="34" charset="0"/>
+                <a:cs typeface="Calibri" panose="020F0502020204030204" pitchFamily="34" charset="0"/>
+              </a:rPr>
+              <a:t>4</a:t>
+            </a:r>
+            <a:endParaRPr lang="de-DE" b="1" dirty="0">
+              <a:solidFill>
+                <a:schemeClr val="tx1"/>
+              </a:solidFill>
+              <a:latin typeface="Calibri" panose="020F0502020204030204" pitchFamily="34" charset="0"/>
+              <a:cs typeface="Calibri" panose="020F0502020204030204" pitchFamily="34" charset="0"/>
+            </a:endParaRPr>
+          </a:p>
+        </p:txBody>
+      </p:sp>
+      <p:sp>
+        <p:nvSpPr>
+          <p:cNvPr id="7" name="Ellipse 6"/>
+          <p:cNvSpPr/>
+          <p:nvPr/>
+        </p:nvSpPr>
+        <p:spPr>
+          <a:xfrm>
+            <a:off x="8213593" y="3611035"/>
+            <a:ext cx="829733" cy="829733"/>
+          </a:xfrm>
+          <a:prstGeom prst="ellipse">
+            <a:avLst/>
+          </a:prstGeom>
+          <a:noFill/>
+          <a:ln w="38100" cmpd="sng">
+            <a:solidFill>
+              <a:schemeClr val="accent1">
+                <a:shade val="50000"/>
+              </a:schemeClr>
+            </a:solidFill>
+            <a:round/>
+          </a:ln>
+          <a:effectLst>
+            <a:outerShdw blurRad="50800" dist="38100" dir="2700000" algn="tl" rotWithShape="0">
+              <a:prstClr val="black">
+                <a:alpha val="40000"/>
+              </a:prstClr>
+            </a:outerShdw>
+          </a:effectLst>
+        </p:spPr>
+        <p:style>
+          <a:lnRef idx="2">
+            <a:schemeClr val="accent1">
+              <a:shade val="50000"/>
+            </a:schemeClr>
+          </a:lnRef>
+          <a:fillRef idx="1">
+            <a:schemeClr val="accent1"/>
+          </a:fillRef>
+          <a:effectRef idx="0">
+            <a:schemeClr val="accent1"/>
+          </a:effectRef>
+          <a:fontRef idx="minor">
+            <a:schemeClr val="lt1"/>
+          </a:fontRef>
+        </p:style>
+        <p:txBody>
+          <a:bodyPr rtlCol="0" anchor="ctr"/>
+          <a:lstStyle/>
+          <a:p>
+            <a:pPr algn="ctr"/>
+            <a:r>
+              <a:rPr lang="de-DE" sz="2000" b="1" dirty="0" smtClean="0">
+                <a:solidFill>
+                  <a:schemeClr val="tx1"/>
+                </a:solidFill>
+                <a:latin typeface="Calibri" panose="020F0502020204030204" pitchFamily="34" charset="0"/>
+                <a:cs typeface="Calibri" panose="020F0502020204030204" pitchFamily="34" charset="0"/>
+              </a:rPr>
+              <a:t>2</a:t>
+            </a:r>
+            <a:endParaRPr lang="de-DE" b="1" dirty="0">
+              <a:solidFill>
+                <a:schemeClr val="tx1"/>
+              </a:solidFill>
+              <a:latin typeface="Calibri" panose="020F0502020204030204" pitchFamily="34" charset="0"/>
+              <a:cs typeface="Calibri" panose="020F0502020204030204" pitchFamily="34" charset="0"/>
+            </a:endParaRPr>
+          </a:p>
+        </p:txBody>
+      </p:sp>
+      <p:sp>
+        <p:nvSpPr>
+          <p:cNvPr id="8" name="Ellipse 7"/>
+          <p:cNvSpPr/>
+          <p:nvPr/>
+        </p:nvSpPr>
+        <p:spPr>
+          <a:xfrm>
+            <a:off x="10726493" y="4243917"/>
+            <a:ext cx="829733" cy="829733"/>
+          </a:xfrm>
+          <a:prstGeom prst="ellipse">
+            <a:avLst/>
+          </a:prstGeom>
+          <a:noFill/>
+          <a:ln w="38100" cmpd="sng">
+            <a:solidFill>
+              <a:schemeClr val="accent1">
+                <a:shade val="50000"/>
+              </a:schemeClr>
+            </a:solidFill>
+            <a:round/>
+          </a:ln>
+          <a:effectLst>
+            <a:outerShdw blurRad="50800" dist="38100" dir="2700000" algn="tl" rotWithShape="0">
+              <a:prstClr val="black">
+                <a:alpha val="40000"/>
+              </a:prstClr>
+            </a:outerShdw>
+          </a:effectLst>
+        </p:spPr>
+        <p:style>
+          <a:lnRef idx="2">
+            <a:schemeClr val="accent1">
+              <a:shade val="50000"/>
+            </a:schemeClr>
+          </a:lnRef>
+          <a:fillRef idx="1">
+            <a:schemeClr val="accent1"/>
+          </a:fillRef>
+          <a:effectRef idx="0">
+            <a:schemeClr val="accent1"/>
+          </a:effectRef>
+          <a:fontRef idx="minor">
+            <a:schemeClr val="lt1"/>
+          </a:fontRef>
+        </p:style>
+        <p:txBody>
+          <a:bodyPr rtlCol="0" anchor="ctr"/>
+          <a:lstStyle/>
+          <a:p>
+            <a:pPr algn="ctr"/>
+            <a:r>
+              <a:rPr lang="de-DE" sz="2000" b="1" dirty="0" smtClean="0">
+                <a:solidFill>
+                  <a:schemeClr val="tx1"/>
+                </a:solidFill>
+                <a:latin typeface="Calibri" panose="020F0502020204030204" pitchFamily="34" charset="0"/>
+                <a:cs typeface="Calibri" panose="020F0502020204030204" pitchFamily="34" charset="0"/>
+              </a:rPr>
+              <a:t>3</a:t>
+            </a:r>
+            <a:endParaRPr lang="de-DE" b="1" dirty="0">
+              <a:solidFill>
+                <a:schemeClr val="tx1"/>
+              </a:solidFill>
+              <a:latin typeface="Calibri" panose="020F0502020204030204" pitchFamily="34" charset="0"/>
+              <a:cs typeface="Calibri" panose="020F0502020204030204" pitchFamily="34" charset="0"/>
+            </a:endParaRPr>
+          </a:p>
+        </p:txBody>
+      </p:sp>
+      <p:sp>
+        <p:nvSpPr>
+          <p:cNvPr id="9" name="Ellipse 8"/>
+          <p:cNvSpPr/>
+          <p:nvPr/>
+        </p:nvSpPr>
+        <p:spPr>
+          <a:xfrm>
+            <a:off x="10348120" y="3089751"/>
+            <a:ext cx="829733" cy="829733"/>
+          </a:xfrm>
+          <a:prstGeom prst="ellipse">
+            <a:avLst/>
+          </a:prstGeom>
+          <a:noFill/>
+          <a:ln w="38100" cmpd="sng">
+            <a:solidFill>
+              <a:schemeClr val="accent1">
+                <a:shade val="50000"/>
+              </a:schemeClr>
+            </a:solidFill>
+            <a:round/>
+          </a:ln>
+          <a:effectLst>
+            <a:outerShdw blurRad="50800" dist="38100" dir="2700000" algn="tl" rotWithShape="0">
+              <a:prstClr val="black">
+                <a:alpha val="40000"/>
+              </a:prstClr>
+            </a:outerShdw>
+          </a:effectLst>
+        </p:spPr>
+        <p:style>
+          <a:lnRef idx="2">
+            <a:schemeClr val="accent1">
+              <a:shade val="50000"/>
+            </a:schemeClr>
+          </a:lnRef>
+          <a:fillRef idx="1">
+            <a:schemeClr val="accent1"/>
+          </a:fillRef>
+          <a:effectRef idx="0">
+            <a:schemeClr val="accent1"/>
+          </a:effectRef>
+          <a:fontRef idx="minor">
+            <a:schemeClr val="lt1"/>
+          </a:fontRef>
+        </p:style>
+        <p:txBody>
+          <a:bodyPr rtlCol="0" anchor="ctr"/>
+          <a:lstStyle/>
+          <a:p>
+            <a:pPr algn="ctr"/>
+            <a:r>
+              <a:rPr lang="de-DE" sz="2000" b="1" dirty="0" smtClean="0">
+                <a:solidFill>
+                  <a:schemeClr val="tx1"/>
+                </a:solidFill>
+                <a:latin typeface="Calibri" panose="020F0502020204030204" pitchFamily="34" charset="0"/>
+                <a:cs typeface="Calibri" panose="020F0502020204030204" pitchFamily="34" charset="0"/>
+              </a:rPr>
+              <a:t>1</a:t>
+            </a:r>
+            <a:endParaRPr lang="de-DE" b="1" dirty="0">
+              <a:solidFill>
+                <a:schemeClr val="tx1"/>
+              </a:solidFill>
+              <a:latin typeface="Calibri" panose="020F0502020204030204" pitchFamily="34" charset="0"/>
+              <a:cs typeface="Calibri" panose="020F0502020204030204" pitchFamily="34" charset="0"/>
+            </a:endParaRPr>
+          </a:p>
+        </p:txBody>
+      </p:sp>
+      <p:cxnSp>
+        <p:nvCxnSpPr>
+          <p:cNvPr id="11" name="Gerade Verbindung mit Pfeil 10"/>
+          <p:cNvCxnSpPr>
+            <a:stCxn id="7" idx="7"/>
+            <a:endCxn id="9" idx="2"/>
+          </p:cNvCxnSpPr>
+          <p:nvPr/>
+        </p:nvCxnSpPr>
+        <p:spPr>
+          <a:xfrm flipV="1">
+            <a:off x="8921814" y="3504618"/>
+            <a:ext cx="1426306" cy="227929"/>
+          </a:xfrm>
+          <a:prstGeom prst="straightConnector1">
+            <a:avLst/>
+          </a:prstGeom>
+          <a:ln w="38100" cap="sq">
+            <a:solidFill>
+              <a:schemeClr val="accent1">
+                <a:lumMod val="75000"/>
+              </a:schemeClr>
+            </a:solidFill>
+            <a:round/>
+            <a:headEnd w="sm" len="sm"/>
+            <a:tailEnd type="triangle" w="med" len="sm"/>
+          </a:ln>
+        </p:spPr>
+        <p:style>
+          <a:lnRef idx="1">
+            <a:schemeClr val="accent1"/>
+          </a:lnRef>
+          <a:fillRef idx="0">
+            <a:schemeClr val="accent1"/>
+          </a:fillRef>
+          <a:effectRef idx="0">
+            <a:schemeClr val="accent1"/>
+          </a:effectRef>
+          <a:fontRef idx="minor">
+            <a:schemeClr val="tx1"/>
+          </a:fontRef>
+        </p:style>
+      </p:cxnSp>
+      <p:cxnSp>
+        <p:nvCxnSpPr>
+          <p:cNvPr id="16" name="Gerade Verbindung mit Pfeil 15"/>
+          <p:cNvCxnSpPr>
+            <a:stCxn id="8" idx="1"/>
+            <a:endCxn id="7" idx="6"/>
+          </p:cNvCxnSpPr>
+          <p:nvPr/>
+        </p:nvCxnSpPr>
+        <p:spPr>
+          <a:xfrm flipH="1" flipV="1">
+            <a:off x="9043326" y="4025902"/>
+            <a:ext cx="1804679" cy="339527"/>
+          </a:xfrm>
+          <a:prstGeom prst="straightConnector1">
+            <a:avLst/>
+          </a:prstGeom>
+          <a:ln w="38100" cap="sq">
+            <a:solidFill>
+              <a:schemeClr val="accent1">
+                <a:lumMod val="75000"/>
+              </a:schemeClr>
+            </a:solidFill>
+            <a:round/>
+            <a:headEnd w="sm" len="sm"/>
+            <a:tailEnd type="triangle" w="med" len="sm"/>
+          </a:ln>
+        </p:spPr>
+        <p:style>
+          <a:lnRef idx="1">
+            <a:schemeClr val="accent1"/>
+          </a:lnRef>
+          <a:fillRef idx="0">
+            <a:schemeClr val="accent1"/>
+          </a:fillRef>
+          <a:effectRef idx="0">
+            <a:schemeClr val="accent1"/>
+          </a:effectRef>
+          <a:fontRef idx="minor">
+            <a:schemeClr val="tx1"/>
+          </a:fontRef>
+        </p:style>
+      </p:cxnSp>
+      <p:cxnSp>
+        <p:nvCxnSpPr>
+          <p:cNvPr id="19" name="Gerade Verbindung mit Pfeil 18"/>
+          <p:cNvCxnSpPr>
+            <a:stCxn id="5" idx="7"/>
+            <a:endCxn id="9" idx="3"/>
+          </p:cNvCxnSpPr>
+          <p:nvPr/>
+        </p:nvCxnSpPr>
+        <p:spPr>
+          <a:xfrm flipV="1">
+            <a:off x="9569128" y="3797972"/>
+            <a:ext cx="900504" cy="1397190"/>
+          </a:xfrm>
+          <a:prstGeom prst="straightConnector1">
+            <a:avLst/>
+          </a:prstGeom>
+          <a:ln w="38100" cap="sq">
+            <a:solidFill>
+              <a:schemeClr val="accent1">
+                <a:lumMod val="75000"/>
+              </a:schemeClr>
+            </a:solidFill>
+            <a:round/>
+            <a:headEnd w="sm" len="sm"/>
+            <a:tailEnd type="triangle" w="med" len="sm"/>
+          </a:ln>
+        </p:spPr>
+        <p:style>
+          <a:lnRef idx="1">
+            <a:schemeClr val="accent1"/>
+          </a:lnRef>
+          <a:fillRef idx="0">
+            <a:schemeClr val="accent1"/>
+          </a:fillRef>
+          <a:effectRef idx="0">
+            <a:schemeClr val="accent1"/>
+          </a:effectRef>
+          <a:fontRef idx="minor">
+            <a:schemeClr val="tx1"/>
+          </a:fontRef>
+        </p:style>
+      </p:cxnSp>
+    </p:spTree>
+    <p:extLst>
+      <p:ext uri="{BB962C8B-B14F-4D97-AF65-F5344CB8AC3E}">
+        <p14:creationId xmlns:p14="http://schemas.microsoft.com/office/powerpoint/2010/main" val="2431785785"/>
+      </p:ext>
+    </p:extLst>
+  </p:cSld>
+  <p:clrMapOvr>
+    <a:masterClrMapping/>
+  </p:clrMapOvr>
+  <p:timing>
+    <p:tnLst>
+      <p:par>
+        <p:cTn id="1" dur="indefinite" restart="never" nodeType="tmRoot"/>
+      </p:par>
+    </p:tnLst>
+  </p:timing>
+</p:sld>
+</file>
+
+<file path=ppt/slides/slide6.xml><?xml version="1.0" encoding="utf-8"?>
+<p:sld xmlns:a="http://schemas.openxmlformats.org/drawingml/2006/main" xmlns:r="http://schemas.openxmlformats.org/officeDocument/2006/relationships" xmlns:p="http://schemas.openxmlformats.org/presentationml/2006/main">
+  <p:cSld>
+    <p:spTree>
+      <p:nvGrpSpPr>
+        <p:cNvPr id="1" name=""/>
+        <p:cNvGrpSpPr/>
+        <p:nvPr/>
+      </p:nvGrpSpPr>
+      <p:grpSpPr>
+        <a:xfrm>
+          <a:off x="0" y="0"/>
+          <a:ext cx="0" cy="0"/>
+          <a:chOff x="0" y="0"/>
+          <a:chExt cx="0" cy="0"/>
+        </a:xfrm>
+      </p:grpSpPr>
+      <p:sp>
+        <p:nvSpPr>
+          <p:cNvPr id="2" name="Titel 1"/>
+          <p:cNvSpPr>
+            <a:spLocks noGrp="1"/>
+          </p:cNvSpPr>
+          <p:nvPr>
+            <p:ph type="title"/>
+          </p:nvPr>
+        </p:nvSpPr>
+        <p:spPr/>
+        <p:txBody>
+          <a:bodyPr/>
+          <a:lstStyle/>
+          <a:p>
+            <a:r>
+              <a:rPr lang="de-DE" dirty="0"/>
+              <a:t>Popularität als Netzwerk Phänomen</a:t>
+            </a:r>
+          </a:p>
+        </p:txBody>
+      </p:sp>
+      <p:sp>
+        <p:nvSpPr>
+          <p:cNvPr id="3" name="Inhaltsplatzhalter 2"/>
+          <p:cNvSpPr>
+            <a:spLocks noGrp="1"/>
+          </p:cNvSpPr>
+          <p:nvPr>
+            <p:ph idx="1"/>
+          </p:nvPr>
+        </p:nvSpPr>
+        <p:spPr/>
+        <p:txBody>
+          <a:bodyPr/>
+          <a:lstStyle/>
+          <a:p>
+            <a:pPr marL="285750" indent="-285750">
+              <a:buFont typeface="Arial" panose="020B0604020202020204" pitchFamily="34" charset="0"/>
+              <a:buChar char="•"/>
+            </a:pPr>
+            <a:r>
+              <a:rPr lang="de-DE" dirty="0" smtClean="0"/>
+              <a:t>Annahme: Popularität entspricht der Anzahl der Inlinks einer Page</a:t>
+            </a:r>
+          </a:p>
+          <a:p>
+            <a:pPr marL="285750" indent="-285750">
+              <a:buFont typeface="Arial" panose="020B0604020202020204" pitchFamily="34" charset="0"/>
+              <a:buChar char="•"/>
+            </a:pPr>
+            <a:r>
+              <a:rPr lang="de-DE" dirty="0" smtClean="0"/>
+              <a:t>Abgeleitete Frage:  </a:t>
+            </a:r>
+            <a:endParaRPr lang="de-DE" b="1" dirty="0" smtClean="0"/>
+          </a:p>
+          <a:p>
+            <a:pPr marL="0" indent="0" algn="ctr">
+              <a:buNone/>
+            </a:pPr>
+            <a:r>
+              <a:rPr lang="de-DE" dirty="0" smtClean="0"/>
+              <a:t>Als eine Funktion </a:t>
+            </a:r>
+            <a:r>
+              <a:rPr lang="de-DE" dirty="0" smtClean="0">
+                <a:latin typeface="Cambria" panose="02040503050406030204" pitchFamily="18" charset="0"/>
+                <a:cs typeface="Times New Roman" panose="02020603050405020304" pitchFamily="18" charset="0"/>
+              </a:rPr>
+              <a:t>f(k)</a:t>
+            </a:r>
+            <a:r>
+              <a:rPr lang="de-DE" dirty="0" smtClean="0"/>
+              <a:t>, welcher Anteil an Pages im Web besitzt </a:t>
+            </a:r>
+            <a:r>
+              <a:rPr lang="de-DE" dirty="0" smtClean="0">
+                <a:latin typeface="Cambria" panose="02040503050406030204" pitchFamily="18" charset="0"/>
+                <a:cs typeface="Times New Roman" panose="02020603050405020304" pitchFamily="18" charset="0"/>
+              </a:rPr>
+              <a:t>k</a:t>
+            </a:r>
+            <a:r>
+              <a:rPr lang="de-DE" dirty="0" smtClean="0"/>
+              <a:t>-Inlinks?</a:t>
+            </a:r>
+          </a:p>
+          <a:p>
+            <a:pPr marL="0" indent="0">
+              <a:buNone/>
+            </a:pPr>
+            <a:endParaRPr lang="de-DE" dirty="0" smtClean="0"/>
+          </a:p>
+        </p:txBody>
+      </p:sp>
+    </p:spTree>
+    <p:extLst>
+      <p:ext uri="{BB962C8B-B14F-4D97-AF65-F5344CB8AC3E}">
+        <p14:creationId xmlns:p14="http://schemas.microsoft.com/office/powerpoint/2010/main" val="1404806643"/>
+      </p:ext>
+    </p:extLst>
+  </p:cSld>
+  <p:clrMapOvr>
+    <a:masterClrMapping/>
+  </p:clrMapOvr>
+  <p:timing>
+    <p:tnLst>
+      <p:par>
+        <p:cTn id="1" dur="indefinite" restart="never" nodeType="tmRoot"/>
+      </p:par>
+    </p:tnLst>
+  </p:timing>
+</p:sld>
+</file>
+
+<file path=ppt/slides/slide7.xml><?xml version="1.0" encoding="utf-8"?>
+<p:sld xmlns:a="http://schemas.openxmlformats.org/drawingml/2006/main" xmlns:r="http://schemas.openxmlformats.org/officeDocument/2006/relationships" xmlns:p="http://schemas.openxmlformats.org/presentationml/2006/main">
+  <p:cSld>
+    <p:spTree>
+      <p:nvGrpSpPr>
+        <p:cNvPr id="1" name=""/>
+        <p:cNvGrpSpPr/>
+        <p:nvPr/>
+      </p:nvGrpSpPr>
+      <p:grpSpPr>
+        <a:xfrm>
+          <a:off x="0" y="0"/>
+          <a:ext cx="0" cy="0"/>
+          <a:chOff x="0" y="0"/>
+          <a:chExt cx="0" cy="0"/>
+        </a:xfrm>
+      </p:grpSpPr>
+      <p:pic>
+        <p:nvPicPr>
+          <p:cNvPr id="1028" name="Picture 4" descr="http://www.oxfordmathcenter.com/images/notes/300-00.gif"/>
+          <p:cNvPicPr>
+            <a:picLocks noChangeAspect="1" noChangeArrowheads="1"/>
+          </p:cNvPicPr>
+          <p:nvPr/>
+        </p:nvPicPr>
+        <p:blipFill>
+          <a:blip r:embed="rId2">
+            <a:extLst>
+              <a:ext uri="{28A0092B-C50C-407E-A947-70E740481C1C}">
+                <a14:useLocalDpi xmlns:a14="http://schemas.microsoft.com/office/drawing/2010/main" val="0"/>
+              </a:ext>
+            </a:extLst>
+          </a:blip>
+          <a:srcRect/>
+          <a:stretch>
+            <a:fillRect/>
+          </a:stretch>
+        </p:blipFill>
+        <p:spPr bwMode="auto">
+          <a:xfrm>
+            <a:off x="8390466" y="2603500"/>
+            <a:ext cx="3678534" cy="1883409"/>
+          </a:xfrm>
+          <a:prstGeom prst="rect">
+            <a:avLst/>
+          </a:prstGeom>
+          <a:noFill/>
+          <a:extLst>
+            <a:ext uri="{909E8E84-426E-40DD-AFC4-6F175D3DCCD1}">
+              <a14:hiddenFill xmlns:a14="http://schemas.microsoft.com/office/drawing/2010/main">
+                <a:solidFill>
+                  <a:srgbClr val="FFFFFF"/>
+                </a:solidFill>
+              </a14:hiddenFill>
+            </a:ext>
+          </a:extLst>
+        </p:spPr>
+      </p:pic>
+      <p:sp>
+        <p:nvSpPr>
+          <p:cNvPr id="2" name="Titel 1"/>
+          <p:cNvSpPr>
+            <a:spLocks noGrp="1"/>
+          </p:cNvSpPr>
+          <p:nvPr>
+            <p:ph type="title"/>
+          </p:nvPr>
+        </p:nvSpPr>
+        <p:spPr/>
+        <p:txBody>
+          <a:bodyPr/>
+          <a:lstStyle/>
+          <a:p>
+            <a:r>
+              <a:rPr lang="de-DE" dirty="0"/>
+              <a:t>Popularität als Netzwerk Phänomen</a:t>
+            </a:r>
+          </a:p>
+        </p:txBody>
+      </p:sp>
+      <p:sp>
+        <p:nvSpPr>
+          <p:cNvPr id="3" name="Inhaltsplatzhalter 2"/>
+          <p:cNvSpPr>
+            <a:spLocks noGrp="1"/>
+          </p:cNvSpPr>
+          <p:nvPr>
+            <p:ph idx="1"/>
+          </p:nvPr>
+        </p:nvSpPr>
+        <p:spPr>
+          <a:xfrm>
+            <a:off x="1154955" y="2603500"/>
+            <a:ext cx="9555378" cy="3416300"/>
+          </a:xfrm>
+        </p:spPr>
+        <p:txBody>
+          <a:bodyPr/>
+          <a:lstStyle/>
+          <a:p>
+            <a:pPr marL="285750" indent="-285750">
+              <a:buFont typeface="Arial" panose="020B0604020202020204" pitchFamily="34" charset="0"/>
+              <a:buChar char="•"/>
+            </a:pPr>
+            <a:r>
+              <a:rPr lang="de-DE" u="sng" dirty="0" smtClean="0"/>
+              <a:t>Einfache Hypothese:</a:t>
+            </a:r>
+            <a:r>
+              <a:rPr lang="de-DE" dirty="0" smtClean="0"/>
+              <a:t> Verteilung der Pages entspricht einer Normalverteilung</a:t>
+            </a:r>
+          </a:p>
+          <a:p>
+            <a:pPr marL="285750" indent="-285750">
+              <a:buFont typeface="Arial" panose="020B0604020202020204" pitchFamily="34" charset="0"/>
+              <a:buChar char="•"/>
+            </a:pPr>
+            <a:r>
+              <a:rPr lang="de-DE" dirty="0" smtClean="0"/>
+              <a:t>Jede Menge die als Ergebnis von </a:t>
+            </a:r>
+            <a:r>
+              <a:rPr lang="de-DE" i="1" dirty="0" smtClean="0"/>
+              <a:t>unabhängigen</a:t>
+            </a:r>
+            <a:r>
+              <a:rPr lang="de-DE" dirty="0" smtClean="0"/>
+              <a:t> und </a:t>
+            </a:r>
+            <a:r>
+              <a:rPr lang="de-DE" i="1" dirty="0" smtClean="0"/>
+              <a:t>zufälligen </a:t>
+            </a:r>
+          </a:p>
+          <a:p>
+            <a:pPr marL="285750" indent="-285750">
+              <a:buNone/>
+            </a:pPr>
+            <a:r>
+              <a:rPr lang="de-DE" dirty="0" smtClean="0"/>
+              <a:t>	Einflüssen entsteht, wird sich annährend normalverteilen</a:t>
+            </a:r>
+          </a:p>
+          <a:p>
+            <a:pPr marL="0" indent="0">
+              <a:buNone/>
+            </a:pPr>
+            <a:endParaRPr lang="de-DE" dirty="0" smtClean="0"/>
+          </a:p>
+          <a:p>
+            <a:pPr marL="285750" indent="-285750">
+              <a:buFont typeface="Arial" panose="020B0604020202020204" pitchFamily="34" charset="0"/>
+              <a:buChar char="•"/>
+            </a:pPr>
+            <a:r>
+              <a:rPr lang="de-DE" dirty="0" smtClean="0"/>
+              <a:t>Übertragung auf Pages:</a:t>
+            </a:r>
+          </a:p>
+          <a:p>
+            <a:pPr marL="742950" lvl="1" indent="-285750">
+              <a:buFont typeface="Wingdings" panose="05000000000000000000" pitchFamily="2" charset="2"/>
+              <a:buChar char="§"/>
+            </a:pPr>
+            <a:r>
+              <a:rPr lang="de-DE" sz="1800" dirty="0" smtClean="0"/>
+              <a:t>Jede neue Page verlinkt zufällig auf eine zuvor entstandene Page</a:t>
+            </a:r>
+          </a:p>
+          <a:p>
+            <a:pPr marL="742950" lvl="1" indent="-285750">
+              <a:buFont typeface="Wingdings" panose="05000000000000000000" pitchFamily="2" charset="2"/>
+              <a:buChar char="§"/>
+            </a:pPr>
+            <a:r>
+              <a:rPr lang="de-DE" sz="1800" dirty="0" smtClean="0"/>
+              <a:t>Jeder neue Link ist ein neues Experiment</a:t>
+            </a:r>
+          </a:p>
+          <a:p>
+            <a:pPr marL="742950" lvl="1" indent="-285750">
+              <a:buFont typeface="Wingdings" panose="05000000000000000000" pitchFamily="2" charset="2"/>
+              <a:buChar char="§"/>
+            </a:pPr>
+            <a:r>
+              <a:rPr lang="de-DE" sz="1800" dirty="0" smtClean="0"/>
+              <a:t>Die Anzahl an Pages mit </a:t>
+            </a:r>
+            <a:r>
+              <a:rPr lang="de-DE" sz="1800" dirty="0" smtClean="0">
+                <a:latin typeface="Cambria" panose="02040503050406030204" pitchFamily="18" charset="0"/>
+                <a:cs typeface="Times New Roman" panose="02020603050405020304" pitchFamily="18" charset="0"/>
+              </a:rPr>
+              <a:t>k</a:t>
+            </a:r>
+            <a:r>
+              <a:rPr lang="de-DE" sz="1800" dirty="0" smtClean="0"/>
+              <a:t>-Inlinks fällt exponentiell für größer werdende </a:t>
+            </a:r>
+            <a:r>
+              <a:rPr lang="de-DE" sz="1800" dirty="0" smtClean="0">
+                <a:latin typeface="Cambria" panose="02040503050406030204" pitchFamily="18" charset="0"/>
+                <a:cs typeface="Times New Roman" panose="02020603050405020304" pitchFamily="18" charset="0"/>
+              </a:rPr>
+              <a:t>k</a:t>
+            </a:r>
+            <a:endParaRPr lang="de-DE" sz="1800" dirty="0"/>
+          </a:p>
+        </p:txBody>
+      </p:sp>
+    </p:spTree>
+    <p:extLst>
+      <p:ext uri="{BB962C8B-B14F-4D97-AF65-F5344CB8AC3E}">
+        <p14:creationId xmlns:p14="http://schemas.microsoft.com/office/powerpoint/2010/main" val="763397306"/>
+      </p:ext>
+    </p:extLst>
+  </p:cSld>
+  <p:clrMapOvr>
+    <a:masterClrMapping/>
+  </p:clrMapOvr>
+  <p:timing>
+    <p:tnLst>
+      <p:par>
+        <p:cTn id="1" dur="indefinite" restart="never" nodeType="tmRoot"/>
+      </p:par>
+    </p:tnLst>
+  </p:timing>
+</p:sld>
+</file>
+
+<file path=ppt/slides/slide8.xml><?xml version="1.0" encoding="utf-8"?>
+<p:sld xmlns:a="http://schemas.openxmlformats.org/drawingml/2006/main" xmlns:r="http://schemas.openxmlformats.org/officeDocument/2006/relationships" xmlns:p="http://schemas.openxmlformats.org/presentationml/2006/main">
+  <p:cSld>
+    <p:spTree>
+      <p:nvGrpSpPr>
+        <p:cNvPr id="1" name=""/>
+        <p:cNvGrpSpPr/>
+        <p:nvPr/>
+      </p:nvGrpSpPr>
+      <p:grpSpPr>
+        <a:xfrm>
+          <a:off x="0" y="0"/>
+          <a:ext cx="0" cy="0"/>
+          <a:chOff x="0" y="0"/>
+          <a:chExt cx="0" cy="0"/>
+        </a:xfrm>
+      </p:grpSpPr>
+      <p:sp>
+        <p:nvSpPr>
+          <p:cNvPr id="2" name="Titel 1"/>
+          <p:cNvSpPr>
+            <a:spLocks noGrp="1"/>
+          </p:cNvSpPr>
+          <p:nvPr>
+            <p:ph type="title"/>
+          </p:nvPr>
+        </p:nvSpPr>
+        <p:spPr/>
+        <p:txBody>
+          <a:bodyPr/>
+          <a:lstStyle/>
+          <a:p>
+            <a:endParaRPr lang="de-DE"/>
+          </a:p>
+        </p:txBody>
+      </p:sp>
+      <p:sp>
+        <p:nvSpPr>
+          <p:cNvPr id="3" name="Inhaltsplatzhalter 2"/>
+          <p:cNvSpPr>
+            <a:spLocks noGrp="1"/>
+          </p:cNvSpPr>
+          <p:nvPr>
+            <p:ph idx="1"/>
+          </p:nvPr>
+        </p:nvSpPr>
+        <p:spPr/>
+        <p:txBody>
+          <a:bodyPr/>
+          <a:lstStyle/>
+          <a:p>
+            <a:endParaRPr lang="de-DE"/>
+          </a:p>
+        </p:txBody>
+      </p:sp>
+    </p:spTree>
+    <p:extLst>
+      <p:ext uri="{BB962C8B-B14F-4D97-AF65-F5344CB8AC3E}">
+        <p14:creationId xmlns:p14="http://schemas.microsoft.com/office/powerpoint/2010/main" val="3169810645"/>
       </p:ext>
     </p:extLst>
   </p:cSld>
